--- a/Week_13_Final_report.pptx
+++ b/Week_13_Final_report.pptx
@@ -13,10 +13,11 @@
     <p:sldId id="287" r:id="rId7"/>
     <p:sldId id="297" r:id="rId8"/>
     <p:sldId id="298" r:id="rId9"/>
-    <p:sldId id="274" r:id="rId10"/>
-    <p:sldId id="299" r:id="rId11"/>
-    <p:sldId id="286" r:id="rId12"/>
-    <p:sldId id="269" r:id="rId13"/>
+    <p:sldId id="300" r:id="rId10"/>
+    <p:sldId id="274" r:id="rId11"/>
+    <p:sldId id="299" r:id="rId12"/>
+    <p:sldId id="286" r:id="rId13"/>
+    <p:sldId id="269" r:id="rId14"/>
   </p:sldIdLst>
   <p:sldSz cx="12192000" cy="6858000"/>
   <p:notesSz cx="6858000" cy="9144000"/>
@@ -3880,7 +3881,7 @@
           <a:p>
             <a:fld id="{C764DE79-268F-4C1A-8933-263129D2AF90}" type="datetimeFigureOut">
               <a:rPr lang="en-US" dirty="0"/>
-              <a:t>1/27/2023</a:t>
+              <a:t>1/29/2023</a:t>
             </a:fld>
             <a:endParaRPr lang="en-US"/>
           </a:p>
@@ -4050,7 +4051,7 @@
           <a:p>
             <a:fld id="{C764DE79-268F-4C1A-8933-263129D2AF90}" type="datetimeFigureOut">
               <a:rPr lang="en-US" dirty="0"/>
-              <a:t>1/27/2023</a:t>
+              <a:t>1/29/2023</a:t>
             </a:fld>
             <a:endParaRPr lang="en-US"/>
           </a:p>
@@ -4230,7 +4231,7 @@
           <a:p>
             <a:fld id="{C764DE79-268F-4C1A-8933-263129D2AF90}" type="datetimeFigureOut">
               <a:rPr lang="en-US" dirty="0"/>
-              <a:t>1/27/2023</a:t>
+              <a:t>1/29/2023</a:t>
             </a:fld>
             <a:endParaRPr lang="en-US"/>
           </a:p>
@@ -4400,7 +4401,7 @@
           <a:p>
             <a:fld id="{C764DE79-268F-4C1A-8933-263129D2AF90}" type="datetimeFigureOut">
               <a:rPr lang="en-US" dirty="0"/>
-              <a:t>1/27/2023</a:t>
+              <a:t>1/29/2023</a:t>
             </a:fld>
             <a:endParaRPr lang="en-US"/>
           </a:p>
@@ -4646,7 +4647,7 @@
           <a:p>
             <a:fld id="{C764DE79-268F-4C1A-8933-263129D2AF90}" type="datetimeFigureOut">
               <a:rPr lang="en-US" dirty="0"/>
-              <a:t>1/27/2023</a:t>
+              <a:t>1/29/2023</a:t>
             </a:fld>
             <a:endParaRPr lang="en-US"/>
           </a:p>
@@ -4878,7 +4879,7 @@
           <a:p>
             <a:fld id="{C764DE79-268F-4C1A-8933-263129D2AF90}" type="datetimeFigureOut">
               <a:rPr lang="en-US" dirty="0"/>
-              <a:t>1/27/2023</a:t>
+              <a:t>1/29/2023</a:t>
             </a:fld>
             <a:endParaRPr lang="en-US"/>
           </a:p>
@@ -5245,7 +5246,7 @@
           <a:p>
             <a:fld id="{C764DE79-268F-4C1A-8933-263129D2AF90}" type="datetimeFigureOut">
               <a:rPr lang="en-US" dirty="0"/>
-              <a:t>1/27/2023</a:t>
+              <a:t>1/29/2023</a:t>
             </a:fld>
             <a:endParaRPr lang="en-US"/>
           </a:p>
@@ -5363,7 +5364,7 @@
           <a:p>
             <a:fld id="{C764DE79-268F-4C1A-8933-263129D2AF90}" type="datetimeFigureOut">
               <a:rPr lang="en-US" dirty="0"/>
-              <a:t>1/27/2023</a:t>
+              <a:t>1/29/2023</a:t>
             </a:fld>
             <a:endParaRPr lang="en-US"/>
           </a:p>
@@ -5458,7 +5459,7 @@
           <a:p>
             <a:fld id="{C764DE79-268F-4C1A-8933-263129D2AF90}" type="datetimeFigureOut">
               <a:rPr lang="en-US" dirty="0"/>
-              <a:t>1/27/2023</a:t>
+              <a:t>1/29/2023</a:t>
             </a:fld>
             <a:endParaRPr lang="en-US"/>
           </a:p>
@@ -5735,7 +5736,7 @@
           <a:p>
             <a:fld id="{C764DE79-268F-4C1A-8933-263129D2AF90}" type="datetimeFigureOut">
               <a:rPr lang="en-US" dirty="0"/>
-              <a:t>1/27/2023</a:t>
+              <a:t>1/29/2023</a:t>
             </a:fld>
             <a:endParaRPr lang="en-US"/>
           </a:p>
@@ -5992,7 +5993,7 @@
           <a:p>
             <a:fld id="{C764DE79-268F-4C1A-8933-263129D2AF90}" type="datetimeFigureOut">
               <a:rPr lang="en-US" dirty="0"/>
-              <a:t>1/27/2023</a:t>
+              <a:t>1/29/2023</a:t>
             </a:fld>
             <a:endParaRPr lang="en-US"/>
           </a:p>
@@ -6205,7 +6206,7 @@
           <a:p>
             <a:fld id="{C764DE79-268F-4C1A-8933-263129D2AF90}" type="datetimeFigureOut">
               <a:rPr lang="en-US" dirty="0"/>
-              <a:t>1/27/2023</a:t>
+              <a:t>1/29/2023</a:t>
             </a:fld>
             <a:endParaRPr lang="en-US"/>
           </a:p>
@@ -7007,6 +7008,445 @@
               </a:rPr>
               <a:t>Approach: Clustering</a:t>
             </a:r>
+          </a:p>
+        </p:txBody>
+      </p:sp>
+      <p:pic>
+        <p:nvPicPr>
+          <p:cNvPr id="4" name="Picture 3">
+            <a:extLst>
+              <a:ext uri="{FF2B5EF4-FFF2-40B4-BE49-F238E27FC236}">
+                <a16:creationId xmlns:a16="http://schemas.microsoft.com/office/drawing/2014/main" id="{7A465064-0714-5743-882B-8875105A7023}"/>
+              </a:ext>
+            </a:extLst>
+          </p:cNvPr>
+          <p:cNvPicPr>
+            <a:picLocks noChangeAspect="1"/>
+          </p:cNvPicPr>
+          <p:nvPr/>
+        </p:nvPicPr>
+        <p:blipFill>
+          <a:blip r:embed="rId2" cstate="print">
+            <a:extLst>
+              <a:ext uri="{28A0092B-C50C-407E-A947-70E740481C1C}">
+                <a14:useLocalDpi xmlns:a14="http://schemas.microsoft.com/office/drawing/2010/main" val="0"/>
+              </a:ext>
+            </a:extLst>
+          </a:blip>
+          <a:stretch>
+            <a:fillRect/>
+          </a:stretch>
+        </p:blipFill>
+        <p:spPr>
+          <a:xfrm>
+            <a:off x="0" y="5863771"/>
+            <a:ext cx="1654627" cy="994232"/>
+          </a:xfrm>
+          <a:prstGeom prst="rect">
+            <a:avLst/>
+          </a:prstGeom>
+        </p:spPr>
+      </p:pic>
+      <p:sp>
+        <p:nvSpPr>
+          <p:cNvPr id="3" name="TextBox 2">
+            <a:extLst>
+              <a:ext uri="{FF2B5EF4-FFF2-40B4-BE49-F238E27FC236}">
+                <a16:creationId xmlns:a16="http://schemas.microsoft.com/office/drawing/2014/main" id="{1402F0F8-70BF-BACD-24F8-FD442A8CF157}"/>
+              </a:ext>
+            </a:extLst>
+          </p:cNvPr>
+          <p:cNvSpPr txBox="1"/>
+          <p:nvPr/>
+        </p:nvSpPr>
+        <p:spPr>
+          <a:xfrm>
+            <a:off x="4879851" y="27772"/>
+            <a:ext cx="7024934" cy="584775"/>
+          </a:xfrm>
+          <a:prstGeom prst="rect">
+            <a:avLst/>
+          </a:prstGeom>
+          <a:noFill/>
+        </p:spPr>
+        <p:txBody>
+          <a:bodyPr wrap="square" rtlCol="0">
+            <a:spAutoFit/>
+          </a:bodyPr>
+          <a:lstStyle/>
+          <a:p>
+            <a:pPr algn="ctr"/>
+            <a:r>
+              <a:rPr lang="en-US" sz="1600" dirty="0"/>
+              <a:t>Based on the task description we assumed that clustering technique may help to determine groups of customers with high or low probability of opening deposit</a:t>
+            </a:r>
+            <a:endParaRPr lang="ru-RU" sz="1600" dirty="0"/>
+          </a:p>
+        </p:txBody>
+      </p:sp>
+      <p:sp>
+        <p:nvSpPr>
+          <p:cNvPr id="7" name="TextBox 6">
+            <a:extLst>
+              <a:ext uri="{FF2B5EF4-FFF2-40B4-BE49-F238E27FC236}">
+                <a16:creationId xmlns:a16="http://schemas.microsoft.com/office/drawing/2014/main" id="{9729C01F-5892-BF63-71B0-B3C1A6B8792B}"/>
+              </a:ext>
+            </a:extLst>
+          </p:cNvPr>
+          <p:cNvSpPr txBox="1"/>
+          <p:nvPr/>
+        </p:nvSpPr>
+        <p:spPr>
+          <a:xfrm>
+            <a:off x="4879851" y="630650"/>
+            <a:ext cx="7024934" cy="584775"/>
+          </a:xfrm>
+          <a:prstGeom prst="rect">
+            <a:avLst/>
+          </a:prstGeom>
+          <a:noFill/>
+        </p:spPr>
+        <p:txBody>
+          <a:bodyPr wrap="square" rtlCol="0">
+            <a:spAutoFit/>
+          </a:bodyPr>
+          <a:lstStyle/>
+          <a:p>
+            <a:pPr algn="ctr"/>
+            <a:r>
+              <a:rPr lang="en-US" sz="1600" dirty="0"/>
+              <a:t>We used t-SNE method to visualize preprocessed datasets. But took only about 8000 random observation from each using stratified sampling</a:t>
+            </a:r>
+            <a:endParaRPr lang="ru-RU" sz="1600" dirty="0"/>
+          </a:p>
+        </p:txBody>
+      </p:sp>
+      <p:pic>
+        <p:nvPicPr>
+          <p:cNvPr id="12" name="Рисунок 11">
+            <a:extLst>
+              <a:ext uri="{FF2B5EF4-FFF2-40B4-BE49-F238E27FC236}">
+                <a16:creationId xmlns:a16="http://schemas.microsoft.com/office/drawing/2014/main" id="{2828B499-879D-A7AA-BDFC-F55B90A5F392}"/>
+              </a:ext>
+            </a:extLst>
+          </p:cNvPr>
+          <p:cNvPicPr>
+            <a:picLocks noChangeAspect="1"/>
+          </p:cNvPicPr>
+          <p:nvPr/>
+        </p:nvPicPr>
+        <p:blipFill>
+          <a:blip r:embed="rId3" cstate="print">
+            <a:extLst>
+              <a:ext uri="{28A0092B-C50C-407E-A947-70E740481C1C}">
+                <a14:useLocalDpi xmlns:a14="http://schemas.microsoft.com/office/drawing/2010/main" val="0"/>
+              </a:ext>
+            </a:extLst>
+          </a:blip>
+          <a:stretch>
+            <a:fillRect/>
+          </a:stretch>
+        </p:blipFill>
+        <p:spPr>
+          <a:xfrm>
+            <a:off x="4879851" y="1372957"/>
+            <a:ext cx="2505687" cy="2487353"/>
+          </a:xfrm>
+          <a:prstGeom prst="rect">
+            <a:avLst/>
+          </a:prstGeom>
+        </p:spPr>
+      </p:pic>
+      <p:pic>
+        <p:nvPicPr>
+          <p:cNvPr id="15" name="Рисунок 14">
+            <a:extLst>
+              <a:ext uri="{FF2B5EF4-FFF2-40B4-BE49-F238E27FC236}">
+                <a16:creationId xmlns:a16="http://schemas.microsoft.com/office/drawing/2014/main" id="{0482E67F-1E4E-BF60-C7AC-D3D0C6570FBF}"/>
+              </a:ext>
+            </a:extLst>
+          </p:cNvPr>
+          <p:cNvPicPr>
+            <a:picLocks noChangeAspect="1"/>
+          </p:cNvPicPr>
+          <p:nvPr/>
+        </p:nvPicPr>
+        <p:blipFill>
+          <a:blip r:embed="rId4" cstate="print">
+            <a:extLst>
+              <a:ext uri="{28A0092B-C50C-407E-A947-70E740481C1C}">
+                <a14:useLocalDpi xmlns:a14="http://schemas.microsoft.com/office/drawing/2010/main" val="0"/>
+              </a:ext>
+            </a:extLst>
+          </a:blip>
+          <a:stretch>
+            <a:fillRect/>
+          </a:stretch>
+        </p:blipFill>
+        <p:spPr>
+          <a:xfrm>
+            <a:off x="9214460" y="1330864"/>
+            <a:ext cx="2599474" cy="2580453"/>
+          </a:xfrm>
+          <a:prstGeom prst="rect">
+            <a:avLst/>
+          </a:prstGeom>
+        </p:spPr>
+      </p:pic>
+      <p:pic>
+        <p:nvPicPr>
+          <p:cNvPr id="17" name="Рисунок 16">
+            <a:extLst>
+              <a:ext uri="{FF2B5EF4-FFF2-40B4-BE49-F238E27FC236}">
+                <a16:creationId xmlns:a16="http://schemas.microsoft.com/office/drawing/2014/main" id="{46518EC4-83A3-A6F9-F4DE-11D23C6B076D}"/>
+              </a:ext>
+            </a:extLst>
+          </p:cNvPr>
+          <p:cNvPicPr>
+            <a:picLocks noChangeAspect="1"/>
+          </p:cNvPicPr>
+          <p:nvPr/>
+        </p:nvPicPr>
+        <p:blipFill>
+          <a:blip r:embed="rId5" cstate="print">
+            <a:extLst>
+              <a:ext uri="{28A0092B-C50C-407E-A947-70E740481C1C}">
+                <a14:useLocalDpi xmlns:a14="http://schemas.microsoft.com/office/drawing/2010/main" val="0"/>
+              </a:ext>
+            </a:extLst>
+          </a:blip>
+          <a:stretch>
+            <a:fillRect/>
+          </a:stretch>
+        </p:blipFill>
+        <p:spPr>
+          <a:xfrm>
+            <a:off x="4879851" y="4246159"/>
+            <a:ext cx="2505687" cy="2487353"/>
+          </a:xfrm>
+          <a:prstGeom prst="rect">
+            <a:avLst/>
+          </a:prstGeom>
+        </p:spPr>
+      </p:pic>
+      <p:sp>
+        <p:nvSpPr>
+          <p:cNvPr id="22" name="TextBox 21">
+            <a:extLst>
+              <a:ext uri="{FF2B5EF4-FFF2-40B4-BE49-F238E27FC236}">
+                <a16:creationId xmlns:a16="http://schemas.microsoft.com/office/drawing/2014/main" id="{F1EB1866-0E77-2F9C-BF8A-B892AFE0B836}"/>
+              </a:ext>
+            </a:extLst>
+          </p:cNvPr>
+          <p:cNvSpPr txBox="1"/>
+          <p:nvPr/>
+        </p:nvSpPr>
+        <p:spPr>
+          <a:xfrm>
+            <a:off x="7555584" y="2616633"/>
+            <a:ext cx="1673467" cy="2677656"/>
+          </a:xfrm>
+          <a:prstGeom prst="rect">
+            <a:avLst/>
+          </a:prstGeom>
+          <a:noFill/>
+        </p:spPr>
+        <p:txBody>
+          <a:bodyPr wrap="square" rtlCol="0">
+            <a:spAutoFit/>
+          </a:bodyPr>
+          <a:lstStyle/>
+          <a:p>
+            <a:pPr algn="ctr"/>
+            <a:r>
+              <a:rPr lang="en-US" sz="1400" dirty="0"/>
+              <a:t>Some preprocessing methods results in </a:t>
+            </a:r>
+            <a:r>
+              <a:rPr lang="en-US" sz="1400" b="1" dirty="0"/>
+              <a:t>well-shaped clusters</a:t>
+            </a:r>
+            <a:r>
+              <a:rPr lang="en-US" sz="1400" dirty="0"/>
+              <a:t>. These clusters have visually different density of positives (red dots).</a:t>
+            </a:r>
+          </a:p>
+          <a:p>
+            <a:pPr algn="ctr"/>
+            <a:r>
+              <a:rPr lang="en-US" sz="1400" dirty="0"/>
+              <a:t>We chose opt4 preprocessing option to experiment with it</a:t>
+            </a:r>
+          </a:p>
+        </p:txBody>
+      </p:sp>
+      <p:pic>
+        <p:nvPicPr>
+          <p:cNvPr id="27" name="Рисунок 26">
+            <a:extLst>
+              <a:ext uri="{FF2B5EF4-FFF2-40B4-BE49-F238E27FC236}">
+                <a16:creationId xmlns:a16="http://schemas.microsoft.com/office/drawing/2014/main" id="{D689FD4A-8B8E-A231-1CA9-DF88DABDA873}"/>
+              </a:ext>
+            </a:extLst>
+          </p:cNvPr>
+          <p:cNvPicPr>
+            <a:picLocks noChangeAspect="1"/>
+          </p:cNvPicPr>
+          <p:nvPr/>
+        </p:nvPicPr>
+        <p:blipFill>
+          <a:blip r:embed="rId6" cstate="print">
+            <a:extLst>
+              <a:ext uri="{28A0092B-C50C-407E-A947-70E740481C1C}">
+                <a14:useLocalDpi xmlns:a14="http://schemas.microsoft.com/office/drawing/2010/main" val="0"/>
+              </a:ext>
+            </a:extLst>
+          </a:blip>
+          <a:stretch>
+            <a:fillRect/>
+          </a:stretch>
+        </p:blipFill>
+        <p:spPr>
+          <a:xfrm>
+            <a:off x="9261353" y="4246159"/>
+            <a:ext cx="2505687" cy="1715605"/>
+          </a:xfrm>
+          <a:prstGeom prst="rect">
+            <a:avLst/>
+          </a:prstGeom>
+        </p:spPr>
+      </p:pic>
+      <p:sp>
+        <p:nvSpPr>
+          <p:cNvPr id="28" name="Прямоугольник 27">
+            <a:extLst>
+              <a:ext uri="{FF2B5EF4-FFF2-40B4-BE49-F238E27FC236}">
+                <a16:creationId xmlns:a16="http://schemas.microsoft.com/office/drawing/2014/main" id="{E31391EA-9BD2-9493-F047-5175A24D6EF7}"/>
+              </a:ext>
+            </a:extLst>
+          </p:cNvPr>
+          <p:cNvSpPr/>
+          <p:nvPr/>
+        </p:nvSpPr>
+        <p:spPr>
+          <a:xfrm>
+            <a:off x="9204144" y="1315893"/>
+            <a:ext cx="2672861" cy="867732"/>
+          </a:xfrm>
+          <a:prstGeom prst="rect">
+            <a:avLst/>
+          </a:prstGeom>
+          <a:noFill/>
+          <a:ln w="19050"/>
+        </p:spPr>
+        <p:style>
+          <a:lnRef idx="2">
+            <a:schemeClr val="accent2"/>
+          </a:lnRef>
+          <a:fillRef idx="1">
+            <a:schemeClr val="lt1"/>
+          </a:fillRef>
+          <a:effectRef idx="0">
+            <a:schemeClr val="accent2"/>
+          </a:effectRef>
+          <a:fontRef idx="minor">
+            <a:schemeClr val="dk1"/>
+          </a:fontRef>
+        </p:style>
+        <p:txBody>
+          <a:bodyPr rtlCol="0" anchor="ctr"/>
+          <a:lstStyle/>
+          <a:p>
+            <a:pPr algn="ctr"/>
+            <a:endParaRPr lang="ru-RU"/>
+          </a:p>
+        </p:txBody>
+      </p:sp>
+    </p:spTree>
+    <p:extLst>
+      <p:ext uri="{BB962C8B-B14F-4D97-AF65-F5344CB8AC3E}">
+        <p14:creationId xmlns:p14="http://schemas.microsoft.com/office/powerpoint/2010/main" val="2896265870"/>
+      </p:ext>
+    </p:extLst>
+  </p:cSld>
+  <p:clrMapOvr>
+    <a:masterClrMapping/>
+  </p:clrMapOvr>
+</p:sld>
+</file>
+
+<file path=ppt/slides/slide11.xml><?xml version="1.0" encoding="utf-8"?>
+<p:sld xmlns:a="http://schemas.openxmlformats.org/drawingml/2006/main" xmlns:r="http://schemas.openxmlformats.org/officeDocument/2006/relationships" xmlns:p="http://schemas.openxmlformats.org/presentationml/2006/main">
+  <p:cSld>
+    <p:spTree>
+      <p:nvGrpSpPr>
+        <p:cNvPr id="1" name=""/>
+        <p:cNvGrpSpPr/>
+        <p:nvPr/>
+      </p:nvGrpSpPr>
+      <p:grpSpPr>
+        <a:xfrm>
+          <a:off x="0" y="0"/>
+          <a:ext cx="0" cy="0"/>
+          <a:chOff x="0" y="0"/>
+          <a:chExt cx="0" cy="0"/>
+        </a:xfrm>
+      </p:grpSpPr>
+      <p:sp>
+        <p:nvSpPr>
+          <p:cNvPr id="2" name="Title 1">
+            <a:extLst>
+              <a:ext uri="{FF2B5EF4-FFF2-40B4-BE49-F238E27FC236}">
+                <a16:creationId xmlns:a16="http://schemas.microsoft.com/office/drawing/2014/main" id="{E8B8F26E-9345-4747-9094-972E38700A17}"/>
+              </a:ext>
+            </a:extLst>
+          </p:cNvPr>
+          <p:cNvSpPr>
+            <a:spLocks noGrp="1"/>
+          </p:cNvSpPr>
+          <p:nvPr>
+            <p:ph type="ctrTitle"/>
+          </p:nvPr>
+        </p:nvSpPr>
+        <p:spPr>
+          <a:xfrm rot="5400000">
+            <a:off x="-1072662" y="1072661"/>
+            <a:ext cx="6858000" cy="4712678"/>
+          </a:xfrm>
+          <a:solidFill>
+            <a:srgbClr val="3B3B3B"/>
+          </a:solidFill>
+        </p:spPr>
+        <p:txBody>
+          <a:bodyPr vert="vert270" anchor="ctr" anchorCtr="0">
+            <a:normAutofit/>
+          </a:bodyPr>
+          <a:lstStyle/>
+          <a:p>
+            <a:r>
+              <a:rPr lang="en-US" sz="4800" b="1" dirty="0">
+                <a:solidFill>
+                  <a:srgbClr val="FF6600"/>
+                </a:solidFill>
+              </a:rPr>
+              <a:t>Alternative</a:t>
+            </a:r>
+            <a:r>
+              <a:rPr lang="ru-RU" sz="4800" b="1" dirty="0">
+                <a:solidFill>
+                  <a:srgbClr val="FF6600"/>
+                </a:solidFill>
+              </a:rPr>
+              <a:t> </a:t>
+            </a:r>
+            <a:r>
+              <a:rPr lang="en-US" sz="4800" b="1" dirty="0">
+                <a:solidFill>
+                  <a:srgbClr val="FF6600"/>
+                </a:solidFill>
+              </a:rPr>
+              <a:t>Approach: Clustering</a:t>
+            </a:r>
             <a:br>
               <a:rPr lang="en-US" sz="4800" b="1" dirty="0">
                 <a:solidFill>
@@ -7092,7 +7532,7 @@
             <a:pPr algn="ctr"/>
             <a:r>
               <a:rPr lang="en-US" sz="1600" dirty="0"/>
-              <a:t>Despite there are 7 clusters on the chart 4 of them (1 to 4) have near the same low probability of positives (5-6%)</a:t>
+              <a:t>Despite there are 7 clusters on the chart, 4 of them (1 to 4) have near the same low probability of positives (5-6%)</a:t>
             </a:r>
           </a:p>
         </p:txBody>
@@ -7340,7 +7780,7 @@
 </p:sld>
 </file>
 
-<file path=ppt/slides/slide11.xml><?xml version="1.0" encoding="utf-8"?>
+<file path=ppt/slides/slide12.xml><?xml version="1.0" encoding="utf-8"?>
 <p:sld xmlns:a="http://schemas.openxmlformats.org/drawingml/2006/main" xmlns:r="http://schemas.openxmlformats.org/officeDocument/2006/relationships" xmlns:p="http://schemas.openxmlformats.org/presentationml/2006/main">
   <p:cSld>
     <p:spTree>
@@ -7449,7 +7889,7 @@
         </p:nvSpPr>
         <p:spPr>
           <a:xfrm>
-            <a:off x="5233299" y="398341"/>
+            <a:off x="5240215" y="231288"/>
             <a:ext cx="6231870" cy="2862322"/>
           </a:xfrm>
           <a:prstGeom prst="rect">
@@ -7511,8 +7951,8 @@
         </p:nvSpPr>
         <p:spPr>
           <a:xfrm>
-            <a:off x="5240215" y="3707283"/>
-            <a:ext cx="6224954" cy="2585323"/>
+            <a:off x="5240215" y="3320338"/>
+            <a:ext cx="6224954" cy="2862322"/>
           </a:xfrm>
           <a:prstGeom prst="rect">
             <a:avLst/>
@@ -7534,27 +7974,39 @@
             <a:endParaRPr lang="en-US" b="1" dirty="0"/>
           </a:p>
           <a:p>
+            <a:pPr marL="342900" indent="-342900">
+              <a:buAutoNum type="arabicPeriod"/>
+            </a:pPr>
             <a:r>
               <a:rPr lang="en-US" dirty="0"/>
-              <a:t>To make final decision it’s necessary to perform and compare:</a:t>
-            </a:r>
-          </a:p>
-          <a:p>
+              <a:t>Use Logistic regression as main predictive model to determine if the customer will open a deposit</a:t>
+            </a:r>
+          </a:p>
+          <a:p>
+            <a:pPr marL="342900" indent="-342900">
+              <a:buAutoNum type="arabicPeriod"/>
+            </a:pPr>
             <a:r>
               <a:rPr lang="en-US" dirty="0"/>
-              <a:t>- estimate financial result of campaign using 2 best model (based on recall)</a:t>
-            </a:r>
-          </a:p>
-          <a:p>
+              <a:t>Try to fine tune model hyperparameters further to improve model efficiency</a:t>
+            </a:r>
+          </a:p>
+          <a:p>
+            <a:pPr marL="342900" indent="-342900">
+              <a:buAutoNum type="arabicPeriod"/>
+            </a:pPr>
             <a:r>
               <a:rPr lang="en-US" dirty="0"/>
-              <a:t>- estimate financial result of campaign using developed clustering model</a:t>
-            </a:r>
-          </a:p>
-          <a:p>
+              <a:t>Use simple (ordinal and binary) encoding and imputing based on “most frequent” strategy (preprocessing option 7)</a:t>
+            </a:r>
+          </a:p>
+          <a:p>
+            <a:pPr marL="342900" indent="-342900">
+              <a:buAutoNum type="arabicPeriod"/>
+            </a:pPr>
             <a:r>
               <a:rPr lang="en-US" dirty="0"/>
-              <a:t>- estimate financial result of campaign if all customers will get a call during campaign</a:t>
+              <a:t>Analyze sensitivity of models’ financial results to the level of costs relative to income value</a:t>
             </a:r>
           </a:p>
         </p:txBody>
@@ -7572,7 +8024,7 @@
 </p:sld>
 </file>
 
-<file path=ppt/slides/slide12.xml><?xml version="1.0" encoding="utf-8"?>
+<file path=ppt/slides/slide13.xml><?xml version="1.0" encoding="utf-8"?>
 <p:sld xmlns:a="http://schemas.openxmlformats.org/drawingml/2006/main" xmlns:r="http://schemas.openxmlformats.org/officeDocument/2006/relationships" xmlns:p="http://schemas.openxmlformats.org/presentationml/2006/main">
   <p:cSld>
     <p:spTree>
@@ -9154,10 +9606,10 @@
           <a:p>
             <a:pPr algn="ctr"/>
             <a:r>
-              <a:rPr lang="en-US" sz="1600" dirty="0"/>
+              <a:rPr lang="en-US" sz="1600" b="1" dirty="0"/>
               <a:t>Choosing metric</a:t>
             </a:r>
-            <a:endParaRPr lang="ru-RU" sz="1600" dirty="0"/>
+            <a:endParaRPr lang="ru-RU" sz="1600" b="1" dirty="0"/>
           </a:p>
         </p:txBody>
       </p:sp>
@@ -10042,7 +10494,7 @@
         </p:nvSpPr>
         <p:spPr>
           <a:xfrm>
-            <a:off x="6853837" y="462941"/>
+            <a:off x="6853837" y="120041"/>
             <a:ext cx="3200400" cy="338554"/>
           </a:xfrm>
           <a:prstGeom prst="rect">
@@ -10058,10 +10510,10 @@
           <a:p>
             <a:pPr algn="ctr"/>
             <a:r>
-              <a:rPr lang="en-US" sz="1600" dirty="0"/>
+              <a:rPr lang="en-US" sz="1600" b="1" dirty="0"/>
               <a:t>Best model results</a:t>
             </a:r>
-            <a:endParaRPr lang="ru-RU" sz="1600" dirty="0"/>
+            <a:endParaRPr lang="ru-RU" sz="1600" b="1" dirty="0"/>
           </a:p>
         </p:txBody>
       </p:sp>
@@ -10087,8 +10539,38 @@
         </p:blipFill>
         <p:spPr>
           <a:xfrm>
-            <a:off x="4892041" y="1063871"/>
-            <a:ext cx="7123992" cy="4992634"/>
+            <a:off x="5403106" y="458595"/>
+            <a:ext cx="6101862" cy="3587261"/>
+          </a:xfrm>
+          <a:prstGeom prst="rect">
+            <a:avLst/>
+          </a:prstGeom>
+        </p:spPr>
+      </p:pic>
+      <p:pic>
+        <p:nvPicPr>
+          <p:cNvPr id="8" name="Рисунок 7">
+            <a:extLst>
+              <a:ext uri="{FF2B5EF4-FFF2-40B4-BE49-F238E27FC236}">
+                <a16:creationId xmlns:a16="http://schemas.microsoft.com/office/drawing/2014/main" id="{E9D8F789-9C88-90AB-95FD-2910E59D2F1A}"/>
+              </a:ext>
+            </a:extLst>
+          </p:cNvPr>
+          <p:cNvPicPr>
+            <a:picLocks noChangeAspect="1"/>
+          </p:cNvPicPr>
+          <p:nvPr/>
+        </p:nvPicPr>
+        <p:blipFill>
+          <a:blip r:embed="rId4"/>
+          <a:stretch>
+            <a:fillRect/>
+          </a:stretch>
+        </p:blipFill>
+        <p:spPr>
+          <a:xfrm>
+            <a:off x="5403104" y="4193930"/>
+            <a:ext cx="6101863" cy="2453053"/>
           </a:xfrm>
           <a:prstGeom prst="rect">
             <a:avLst/>
@@ -10162,23 +10644,22 @@
                   <a:srgbClr val="FF6600"/>
                 </a:solidFill>
               </a:rPr>
-              <a:t>Alternative</a:t>
-            </a:r>
-            <a:r>
-              <a:rPr lang="ru-RU" sz="4800" b="1" dirty="0">
-                <a:solidFill>
-                  <a:srgbClr val="FF6600"/>
-                </a:solidFill>
-              </a:rPr>
-              <a:t> </a:t>
-            </a:r>
-            <a:r>
+              <a:t>Models and Results</a:t>
+            </a:r>
+            <a:br>
               <a:rPr lang="en-US" sz="4800" b="1" dirty="0">
                 <a:solidFill>
                   <a:srgbClr val="FF6600"/>
                 </a:solidFill>
               </a:rPr>
-              <a:t>Approach: Clustering</a:t>
+            </a:br>
+            <a:r>
+              <a:rPr lang="en-US" sz="4800" b="1" dirty="0">
+                <a:solidFill>
+                  <a:srgbClr val="FF6600"/>
+                </a:solidFill>
+              </a:rPr>
+              <a:t>(continue)</a:t>
             </a:r>
           </a:p>
         </p:txBody>
@@ -10221,10 +10702,10 @@
       </p:pic>
       <p:sp>
         <p:nvSpPr>
-          <p:cNvPr id="3" name="TextBox 2">
+          <p:cNvPr id="9" name="TextBox 8">
             <a:extLst>
               <a:ext uri="{FF2B5EF4-FFF2-40B4-BE49-F238E27FC236}">
-                <a16:creationId xmlns:a16="http://schemas.microsoft.com/office/drawing/2014/main" id="{1402F0F8-70BF-BACD-24F8-FD442A8CF157}"/>
+                <a16:creationId xmlns:a16="http://schemas.microsoft.com/office/drawing/2014/main" id="{707ACB5B-A02C-F985-DA87-7FAD7382ED35}"/>
               </a:ext>
             </a:extLst>
           </p:cNvPr>
@@ -10233,8 +10714,8 @@
         </p:nvSpPr>
         <p:spPr>
           <a:xfrm>
-            <a:off x="4879851" y="27772"/>
-            <a:ext cx="7024934" cy="584775"/>
+            <a:off x="4982067" y="1264031"/>
+            <a:ext cx="2121388" cy="954107"/>
           </a:xfrm>
           <a:prstGeom prst="rect">
             <a:avLst/>
@@ -10247,21 +10728,19 @@
           </a:bodyPr>
           <a:lstStyle/>
           <a:p>
-            <a:pPr algn="ctr"/>
-            <a:r>
-              <a:rPr lang="en-US" sz="1600" dirty="0"/>
-              <a:t>Based on the task description we assumed that clustering technique may help to determine groups of customers with high or low probability of opening deposit</a:t>
-            </a:r>
-            <a:endParaRPr lang="ru-RU" sz="1600" dirty="0"/>
+            <a:r>
+              <a:rPr lang="en-US" sz="1400" dirty="0"/>
+              <a:t>Information to evaluate campaign financial results for each model type was found in Internet</a:t>
+            </a:r>
           </a:p>
         </p:txBody>
       </p:sp>
       <p:sp>
         <p:nvSpPr>
-          <p:cNvPr id="7" name="TextBox 6">
+          <p:cNvPr id="3" name="TextBox 2">
             <a:extLst>
               <a:ext uri="{FF2B5EF4-FFF2-40B4-BE49-F238E27FC236}">
-                <a16:creationId xmlns:a16="http://schemas.microsoft.com/office/drawing/2014/main" id="{9729C01F-5892-BF63-71B0-B3C1A6B8792B}"/>
+                <a16:creationId xmlns:a16="http://schemas.microsoft.com/office/drawing/2014/main" id="{7F3A1E09-1DC8-252F-D286-B2B4047DCFE5}"/>
               </a:ext>
             </a:extLst>
           </p:cNvPr>
@@ -10270,8 +10749,8 @@
         </p:nvSpPr>
         <p:spPr>
           <a:xfrm>
-            <a:off x="4879851" y="630650"/>
-            <a:ext cx="7024934" cy="584775"/>
+            <a:off x="7030916" y="85760"/>
+            <a:ext cx="3200400" cy="338554"/>
           </a:xfrm>
           <a:prstGeom prst="rect">
             <a:avLst/>
@@ -10286,19 +10765,350 @@
           <a:p>
             <a:pPr algn="ctr"/>
             <a:r>
-              <a:rPr lang="en-US" sz="1600" dirty="0"/>
-              <a:t>We used t-SNE method to visualize preprocessed datasets. But took only about 8000 random observation from each using stratified sampling</a:t>
-            </a:r>
-            <a:endParaRPr lang="ru-RU" sz="1600" dirty="0"/>
+              <a:rPr lang="en-US" sz="1600" b="1" dirty="0"/>
+              <a:t>Evaluation of financial results</a:t>
+            </a:r>
+            <a:endParaRPr lang="ru-RU" sz="1600" b="1" dirty="0"/>
           </a:p>
         </p:txBody>
       </p:sp>
+      <p:graphicFrame>
+        <p:nvGraphicFramePr>
+          <p:cNvPr id="5" name="Таблица 5">
+            <a:extLst>
+              <a:ext uri="{FF2B5EF4-FFF2-40B4-BE49-F238E27FC236}">
+                <a16:creationId xmlns:a16="http://schemas.microsoft.com/office/drawing/2014/main" id="{F52B0C67-534D-978A-4E1F-940D104D01B5}"/>
+              </a:ext>
+            </a:extLst>
+          </p:cNvPr>
+          <p:cNvGraphicFramePr>
+            <a:graphicFrameLocks noGrp="1"/>
+          </p:cNvGraphicFramePr>
+          <p:nvPr>
+            <p:extLst>
+              <p:ext uri="{D42A27DB-BD31-4B8C-83A1-F6EECF244321}">
+                <p14:modId xmlns:p14="http://schemas.microsoft.com/office/powerpoint/2010/main" val="2832102716"/>
+              </p:ext>
+            </p:extLst>
+          </p:nvPr>
+        </p:nvGraphicFramePr>
+        <p:xfrm>
+          <a:off x="7201880" y="511199"/>
+          <a:ext cx="4733552" cy="2286000"/>
+        </p:xfrm>
+        <a:graphic>
+          <a:graphicData uri="http://schemas.openxmlformats.org/drawingml/2006/table">
+            <a:tbl>
+              <a:tblPr firstRow="1" bandRow="1">
+                <a:tableStyleId>{073A0DAA-6AF3-43AB-8588-CEC1D06C72B9}</a:tableStyleId>
+              </a:tblPr>
+              <a:tblGrid>
+                <a:gridCol w="2878014">
+                  <a:extLst>
+                    <a:ext uri="{9D8B030D-6E8A-4147-A177-3AD203B41FA5}">
+                      <a16:colId xmlns:a16="http://schemas.microsoft.com/office/drawing/2014/main" val="1553516934"/>
+                    </a:ext>
+                  </a:extLst>
+                </a:gridCol>
+                <a:gridCol w="1855538">
+                  <a:extLst>
+                    <a:ext uri="{9D8B030D-6E8A-4147-A177-3AD203B41FA5}">
+                      <a16:colId xmlns:a16="http://schemas.microsoft.com/office/drawing/2014/main" val="1197381433"/>
+                    </a:ext>
+                  </a:extLst>
+                </a:gridCol>
+              </a:tblGrid>
+              <a:tr h="0">
+                <a:tc>
+                  <a:txBody>
+                    <a:bodyPr/>
+                    <a:lstStyle/>
+                    <a:p>
+                      <a:pPr algn="ctr"/>
+                      <a:r>
+                        <a:rPr lang="en-US" sz="1200" dirty="0"/>
+                        <a:t>Indicator</a:t>
+                      </a:r>
+                      <a:endParaRPr lang="ru-RU" sz="1200" dirty="0"/>
+                    </a:p>
+                  </a:txBody>
+                  <a:tcPr anchor="ctr"/>
+                </a:tc>
+                <a:tc>
+                  <a:txBody>
+                    <a:bodyPr/>
+                    <a:lstStyle/>
+                    <a:p>
+                      <a:pPr algn="ctr"/>
+                      <a:r>
+                        <a:rPr lang="en-US" sz="1200" dirty="0"/>
+                        <a:t>Value</a:t>
+                      </a:r>
+                      <a:endParaRPr lang="ru-RU" sz="1200" dirty="0"/>
+                    </a:p>
+                  </a:txBody>
+                  <a:tcPr anchor="ctr"/>
+                </a:tc>
+                <a:extLst>
+                  <a:ext uri="{0D108BD9-81ED-4DB2-BD59-A6C34878D82A}">
+                    <a16:rowId xmlns:a16="http://schemas.microsoft.com/office/drawing/2014/main" val="2121177914"/>
+                  </a:ext>
+                </a:extLst>
+              </a:tr>
+              <a:tr h="0">
+                <a:tc>
+                  <a:txBody>
+                    <a:bodyPr/>
+                    <a:lstStyle/>
+                    <a:p>
+                      <a:pPr algn="ctr"/>
+                      <a:r>
+                        <a:rPr lang="en-US" sz="1200" dirty="0"/>
+                        <a:t>Average bank margin</a:t>
+                      </a:r>
+                      <a:endParaRPr lang="ru-RU" sz="1200" dirty="0"/>
+                    </a:p>
+                  </a:txBody>
+                  <a:tcPr anchor="ctr"/>
+                </a:tc>
+                <a:tc>
+                  <a:txBody>
+                    <a:bodyPr/>
+                    <a:lstStyle/>
+                    <a:p>
+                      <a:pPr algn="ctr"/>
+                      <a:r>
+                        <a:rPr lang="en-US" sz="1200" dirty="0"/>
+                        <a:t>1%/</a:t>
+                      </a:r>
+                      <a:r>
+                        <a:rPr lang="en-US" sz="1200" dirty="0" err="1"/>
+                        <a:t>yr</a:t>
+                      </a:r>
+                      <a:endParaRPr lang="ru-RU" sz="1200" dirty="0"/>
+                    </a:p>
+                  </a:txBody>
+                  <a:tcPr anchor="ctr"/>
+                </a:tc>
+                <a:extLst>
+                  <a:ext uri="{0D108BD9-81ED-4DB2-BD59-A6C34878D82A}">
+                    <a16:rowId xmlns:a16="http://schemas.microsoft.com/office/drawing/2014/main" val="1505006630"/>
+                  </a:ext>
+                </a:extLst>
+              </a:tr>
+              <a:tr h="0">
+                <a:tc>
+                  <a:txBody>
+                    <a:bodyPr/>
+                    <a:lstStyle/>
+                    <a:p>
+                      <a:pPr algn="ctr"/>
+                      <a:r>
+                        <a:rPr lang="en-US" sz="1200" dirty="0"/>
+                        <a:t>Average deposit sum</a:t>
+                      </a:r>
+                      <a:endParaRPr lang="ru-RU" sz="1200" dirty="0"/>
+                    </a:p>
+                  </a:txBody>
+                  <a:tcPr anchor="ctr"/>
+                </a:tc>
+                <a:tc>
+                  <a:txBody>
+                    <a:bodyPr/>
+                    <a:lstStyle/>
+                    <a:p>
+                      <a:pPr algn="ctr"/>
+                      <a:r>
+                        <a:rPr lang="en-US" sz="1200" dirty="0"/>
+                        <a:t>$31 600</a:t>
+                      </a:r>
+                      <a:endParaRPr lang="ru-RU" sz="1200" dirty="0"/>
+                    </a:p>
+                  </a:txBody>
+                  <a:tcPr anchor="ctr"/>
+                </a:tc>
+                <a:extLst>
+                  <a:ext uri="{0D108BD9-81ED-4DB2-BD59-A6C34878D82A}">
+                    <a16:rowId xmlns:a16="http://schemas.microsoft.com/office/drawing/2014/main" val="2197805980"/>
+                  </a:ext>
+                </a:extLst>
+              </a:tr>
+              <a:tr h="0">
+                <a:tc>
+                  <a:txBody>
+                    <a:bodyPr/>
+                    <a:lstStyle/>
+                    <a:p>
+                      <a:pPr algn="ctr"/>
+                      <a:r>
+                        <a:rPr lang="en-US" sz="1200" dirty="0"/>
+                        <a:t>Mobile call cost</a:t>
+                      </a:r>
+                      <a:endParaRPr lang="ru-RU" sz="1200" dirty="0"/>
+                    </a:p>
+                  </a:txBody>
+                  <a:tcPr anchor="ctr"/>
+                </a:tc>
+                <a:tc>
+                  <a:txBody>
+                    <a:bodyPr/>
+                    <a:lstStyle/>
+                    <a:p>
+                      <a:pPr algn="ctr"/>
+                      <a:r>
+                        <a:rPr lang="en-US" sz="1200" dirty="0"/>
+                        <a:t>$0.15 /minute</a:t>
+                      </a:r>
+                      <a:endParaRPr lang="ru-RU" sz="1200" dirty="0"/>
+                    </a:p>
+                  </a:txBody>
+                  <a:tcPr anchor="ctr"/>
+                </a:tc>
+                <a:extLst>
+                  <a:ext uri="{0D108BD9-81ED-4DB2-BD59-A6C34878D82A}">
+                    <a16:rowId xmlns:a16="http://schemas.microsoft.com/office/drawing/2014/main" val="1914133733"/>
+                  </a:ext>
+                </a:extLst>
+              </a:tr>
+              <a:tr h="0">
+                <a:tc>
+                  <a:txBody>
+                    <a:bodyPr/>
+                    <a:lstStyle/>
+                    <a:p>
+                      <a:pPr algn="ctr"/>
+                      <a:r>
+                        <a:rPr lang="en-US" sz="1200" dirty="0"/>
+                        <a:t>Average call duration</a:t>
+                      </a:r>
+                      <a:endParaRPr lang="ru-RU" sz="1200" dirty="0"/>
+                    </a:p>
+                  </a:txBody>
+                  <a:tcPr anchor="ctr"/>
+                </a:tc>
+                <a:tc>
+                  <a:txBody>
+                    <a:bodyPr/>
+                    <a:lstStyle/>
+                    <a:p>
+                      <a:pPr algn="ctr"/>
+                      <a:r>
+                        <a:rPr lang="en-US" sz="1200" dirty="0"/>
+                        <a:t>3.4 minutes</a:t>
+                      </a:r>
+                    </a:p>
+                    <a:p>
+                      <a:pPr algn="ctr"/>
+                      <a:r>
+                        <a:rPr lang="en-US" sz="1200" dirty="0"/>
+                        <a:t>(mean value from dataset)</a:t>
+                      </a:r>
+                      <a:endParaRPr lang="ru-RU" sz="1200" dirty="0"/>
+                    </a:p>
+                  </a:txBody>
+                  <a:tcPr anchor="ctr"/>
+                </a:tc>
+                <a:extLst>
+                  <a:ext uri="{0D108BD9-81ED-4DB2-BD59-A6C34878D82A}">
+                    <a16:rowId xmlns:a16="http://schemas.microsoft.com/office/drawing/2014/main" val="2959793639"/>
+                  </a:ext>
+                </a:extLst>
+              </a:tr>
+              <a:tr h="0">
+                <a:tc>
+                  <a:txBody>
+                    <a:bodyPr/>
+                    <a:lstStyle/>
+                    <a:p>
+                      <a:pPr algn="ctr"/>
+                      <a:r>
+                        <a:rPr lang="en-US" sz="1200" dirty="0"/>
+                        <a:t>Average margin from 1 deposit per month</a:t>
+                      </a:r>
+                    </a:p>
+                    <a:p>
+                      <a:pPr algn="ctr"/>
+                      <a:r>
+                        <a:rPr lang="en-US" sz="1200" dirty="0"/>
+                        <a:t>(possible duration of the campaign)</a:t>
+                      </a:r>
+                      <a:endParaRPr lang="ru-RU" sz="1200" dirty="0"/>
+                    </a:p>
+                  </a:txBody>
+                  <a:tcPr anchor="ctr"/>
+                </a:tc>
+                <a:tc>
+                  <a:txBody>
+                    <a:bodyPr/>
+                    <a:lstStyle/>
+                    <a:p>
+                      <a:pPr algn="ctr"/>
+                      <a:r>
+                        <a:rPr lang="en-US" sz="1200" dirty="0"/>
+                        <a:t>31 600 * 0.01 / 12 ~ $26.3 /</a:t>
+                      </a:r>
+                      <a:r>
+                        <a:rPr lang="en-US" sz="1200" dirty="0" err="1"/>
+                        <a:t>mo</a:t>
+                      </a:r>
+                      <a:endParaRPr lang="ru-RU" sz="1200" dirty="0"/>
+                    </a:p>
+                  </a:txBody>
+                  <a:tcPr anchor="ctr"/>
+                </a:tc>
+                <a:extLst>
+                  <a:ext uri="{0D108BD9-81ED-4DB2-BD59-A6C34878D82A}">
+                    <a16:rowId xmlns:a16="http://schemas.microsoft.com/office/drawing/2014/main" val="3576078605"/>
+                  </a:ext>
+                </a:extLst>
+              </a:tr>
+              <a:tr h="0">
+                <a:tc>
+                  <a:txBody>
+                    <a:bodyPr/>
+                    <a:lstStyle/>
+                    <a:p>
+                      <a:pPr algn="ctr"/>
+                      <a:r>
+                        <a:rPr lang="en-US" sz="1200" dirty="0"/>
+                        <a:t>Average cost of call</a:t>
+                      </a:r>
+                      <a:endParaRPr lang="ru-RU" sz="1200" dirty="0"/>
+                    </a:p>
+                  </a:txBody>
+                  <a:tcPr anchor="ctr"/>
+                </a:tc>
+                <a:tc>
+                  <a:txBody>
+                    <a:bodyPr/>
+                    <a:lstStyle/>
+                    <a:p>
+                      <a:pPr algn="ctr"/>
+                      <a:r>
+                        <a:rPr lang="en-US" sz="1200" dirty="0"/>
+                        <a:t>3.4 * 0.15 ~ $0.5</a:t>
+                      </a:r>
+                      <a:endParaRPr lang="ru-RU" sz="1200" dirty="0"/>
+                    </a:p>
+                  </a:txBody>
+                  <a:tcPr anchor="ctr"/>
+                </a:tc>
+                <a:extLst>
+                  <a:ext uri="{0D108BD9-81ED-4DB2-BD59-A6C34878D82A}">
+                    <a16:rowId xmlns:a16="http://schemas.microsoft.com/office/drawing/2014/main" val="3804278534"/>
+                  </a:ext>
+                </a:extLst>
+              </a:tr>
+            </a:tbl>
+          </a:graphicData>
+        </a:graphic>
+      </p:graphicFrame>
       <p:pic>
         <p:nvPicPr>
-          <p:cNvPr id="12" name="Рисунок 11">
+          <p:cNvPr id="8" name="Рисунок 7">
             <a:extLst>
               <a:ext uri="{FF2B5EF4-FFF2-40B4-BE49-F238E27FC236}">
-                <a16:creationId xmlns:a16="http://schemas.microsoft.com/office/drawing/2014/main" id="{2828B499-879D-A7AA-BDFC-F55B90A5F392}"/>
+                <a16:creationId xmlns:a16="http://schemas.microsoft.com/office/drawing/2014/main" id="{2837614E-ED06-3207-7A3C-30C6DCB3F69A}"/>
               </a:ext>
             </a:extLst>
           </p:cNvPr>
@@ -10308,93 +11118,15 @@
           <p:nvPr/>
         </p:nvPicPr>
         <p:blipFill>
-          <a:blip r:embed="rId3" cstate="print">
-            <a:extLst>
-              <a:ext uri="{28A0092B-C50C-407E-A947-70E740481C1C}">
-                <a14:useLocalDpi xmlns:a14="http://schemas.microsoft.com/office/drawing/2010/main" val="0"/>
-              </a:ext>
-            </a:extLst>
-          </a:blip>
+          <a:blip r:embed="rId3"/>
           <a:stretch>
             <a:fillRect/>
           </a:stretch>
         </p:blipFill>
         <p:spPr>
           <a:xfrm>
-            <a:off x="4879851" y="1372957"/>
-            <a:ext cx="2505687" cy="2487353"/>
-          </a:xfrm>
-          <a:prstGeom prst="rect">
-            <a:avLst/>
-          </a:prstGeom>
-        </p:spPr>
-      </p:pic>
-      <p:pic>
-        <p:nvPicPr>
-          <p:cNvPr id="15" name="Рисунок 14">
-            <a:extLst>
-              <a:ext uri="{FF2B5EF4-FFF2-40B4-BE49-F238E27FC236}">
-                <a16:creationId xmlns:a16="http://schemas.microsoft.com/office/drawing/2014/main" id="{0482E67F-1E4E-BF60-C7AC-D3D0C6570FBF}"/>
-              </a:ext>
-            </a:extLst>
-          </p:cNvPr>
-          <p:cNvPicPr>
-            <a:picLocks noChangeAspect="1"/>
-          </p:cNvPicPr>
-          <p:nvPr/>
-        </p:nvPicPr>
-        <p:blipFill>
-          <a:blip r:embed="rId4" cstate="print">
-            <a:extLst>
-              <a:ext uri="{28A0092B-C50C-407E-A947-70E740481C1C}">
-                <a14:useLocalDpi xmlns:a14="http://schemas.microsoft.com/office/drawing/2010/main" val="0"/>
-              </a:ext>
-            </a:extLst>
-          </a:blip>
-          <a:stretch>
-            <a:fillRect/>
-          </a:stretch>
-        </p:blipFill>
-        <p:spPr>
-          <a:xfrm>
-            <a:off x="9214460" y="1330864"/>
-            <a:ext cx="2599474" cy="2580453"/>
-          </a:xfrm>
-          <a:prstGeom prst="rect">
-            <a:avLst/>
-          </a:prstGeom>
-        </p:spPr>
-      </p:pic>
-      <p:pic>
-        <p:nvPicPr>
-          <p:cNvPr id="17" name="Рисунок 16">
-            <a:extLst>
-              <a:ext uri="{FF2B5EF4-FFF2-40B4-BE49-F238E27FC236}">
-                <a16:creationId xmlns:a16="http://schemas.microsoft.com/office/drawing/2014/main" id="{46518EC4-83A3-A6F9-F4DE-11D23C6B076D}"/>
-              </a:ext>
-            </a:extLst>
-          </p:cNvPr>
-          <p:cNvPicPr>
-            <a:picLocks noChangeAspect="1"/>
-          </p:cNvPicPr>
-          <p:nvPr/>
-        </p:nvPicPr>
-        <p:blipFill>
-          <a:blip r:embed="rId5" cstate="print">
-            <a:extLst>
-              <a:ext uri="{28A0092B-C50C-407E-A947-70E740481C1C}">
-                <a14:useLocalDpi xmlns:a14="http://schemas.microsoft.com/office/drawing/2010/main" val="0"/>
-              </a:ext>
-            </a:extLst>
-          </a:blip>
-          <a:stretch>
-            <a:fillRect/>
-          </a:stretch>
-        </p:blipFill>
-        <p:spPr>
-          <a:xfrm>
-            <a:off x="4879851" y="4246159"/>
-            <a:ext cx="2505687" cy="2487353"/>
+            <a:off x="4883641" y="2884084"/>
+            <a:ext cx="3495428" cy="3926895"/>
           </a:xfrm>
           <a:prstGeom prst="rect">
             <a:avLst/>
@@ -10403,10 +11135,10 @@
       </p:pic>
       <p:sp>
         <p:nvSpPr>
-          <p:cNvPr id="22" name="TextBox 21">
+          <p:cNvPr id="10" name="TextBox 9">
             <a:extLst>
               <a:ext uri="{FF2B5EF4-FFF2-40B4-BE49-F238E27FC236}">
-                <a16:creationId xmlns:a16="http://schemas.microsoft.com/office/drawing/2014/main" id="{F1EB1866-0E77-2F9C-BF8A-B892AFE0B836}"/>
+                <a16:creationId xmlns:a16="http://schemas.microsoft.com/office/drawing/2014/main" id="{496FD43E-B00E-9836-83D4-2E51E6F2B465}"/>
               </a:ext>
             </a:extLst>
           </p:cNvPr>
@@ -10415,8 +11147,8 @@
         </p:nvSpPr>
         <p:spPr>
           <a:xfrm>
-            <a:off x="7555584" y="2616633"/>
-            <a:ext cx="1673467" cy="2677656"/>
+            <a:off x="8620189" y="3173701"/>
+            <a:ext cx="3222254" cy="1815882"/>
           </a:xfrm>
           <a:prstGeom prst="rect">
             <a:avLst/>
@@ -10429,115 +11161,203 @@
           </a:bodyPr>
           <a:lstStyle/>
           <a:p>
-            <a:pPr algn="ctr"/>
             <a:r>
               <a:rPr lang="en-US" sz="1400" dirty="0"/>
-              <a:t>Some preprocessing methods results in </a:t>
-            </a:r>
-            <a:r>
-              <a:rPr lang="en-US" sz="1400" b="1" dirty="0"/>
-              <a:t>well-shaped clusters</a:t>
-            </a:r>
+              <a:t>Each model’s confusion matrix was built on test sets.</a:t>
+            </a:r>
+          </a:p>
+          <a:p>
             <a:r>
               <a:rPr lang="en-US" sz="1400" dirty="0"/>
-              <a:t>. These clusters have visually different density of positives (red dots).</a:t>
-            </a:r>
-          </a:p>
-          <a:p>
-            <a:pPr algn="ctr"/>
+              <a:t>Information from table above was transformed to similar form and estimated financial result was calculated.</a:t>
+            </a:r>
+          </a:p>
+          <a:p>
             <a:r>
               <a:rPr lang="en-US" sz="1400" dirty="0"/>
-              <a:t>We chose opt4 preprocessing option to experiment with it</a:t>
+              <a:t>It shows that Logistic Regression model is leading not only on recall value but also on financial results</a:t>
             </a:r>
           </a:p>
         </p:txBody>
       </p:sp>
-      <p:pic>
-        <p:nvPicPr>
-          <p:cNvPr id="27" name="Рисунок 26">
+      <p:graphicFrame>
+        <p:nvGraphicFramePr>
+          <p:cNvPr id="11" name="Таблица 11">
             <a:extLst>
               <a:ext uri="{FF2B5EF4-FFF2-40B4-BE49-F238E27FC236}">
-                <a16:creationId xmlns:a16="http://schemas.microsoft.com/office/drawing/2014/main" id="{D689FD4A-8B8E-A231-1CA9-DF88DABDA873}"/>
+                <a16:creationId xmlns:a16="http://schemas.microsoft.com/office/drawing/2014/main" id="{3C4D7F59-A9FD-7CDC-E4B8-552ACE71979A}"/>
               </a:ext>
             </a:extLst>
           </p:cNvPr>
-          <p:cNvPicPr>
-            <a:picLocks noChangeAspect="1"/>
-          </p:cNvPicPr>
-          <p:nvPr/>
-        </p:nvPicPr>
-        <p:blipFill>
-          <a:blip r:embed="rId6" cstate="print">
-            <a:extLst>
-              <a:ext uri="{28A0092B-C50C-407E-A947-70E740481C1C}">
-                <a14:useLocalDpi xmlns:a14="http://schemas.microsoft.com/office/drawing/2010/main" val="0"/>
-              </a:ext>
-            </a:extLst>
-          </a:blip>
-          <a:stretch>
-            <a:fillRect/>
-          </a:stretch>
-        </p:blipFill>
-        <p:spPr>
-          <a:xfrm>
-            <a:off x="9261353" y="4246159"/>
-            <a:ext cx="2505687" cy="1715605"/>
-          </a:xfrm>
-          <a:prstGeom prst="rect">
-            <a:avLst/>
-          </a:prstGeom>
-        </p:spPr>
-      </p:pic>
+          <p:cNvGraphicFramePr>
+            <a:graphicFrameLocks noGrp="1"/>
+          </p:cNvGraphicFramePr>
+          <p:nvPr>
+            <p:extLst>
+              <p:ext uri="{D42A27DB-BD31-4B8C-83A1-F6EECF244321}">
+                <p14:modId xmlns:p14="http://schemas.microsoft.com/office/powerpoint/2010/main" val="3918116300"/>
+              </p:ext>
+            </p:extLst>
+          </p:nvPr>
+        </p:nvGraphicFramePr>
+        <p:xfrm>
+          <a:off x="8989772" y="5774413"/>
+          <a:ext cx="2624868" cy="889000"/>
+        </p:xfrm>
+        <a:graphic>
+          <a:graphicData uri="http://schemas.openxmlformats.org/drawingml/2006/table">
+            <a:tbl>
+              <a:tblPr bandRow="1">
+                <a:tableStyleId>{5C22544A-7EE6-4342-B048-85BDC9FD1C3A}</a:tableStyleId>
+              </a:tblPr>
+              <a:tblGrid>
+                <a:gridCol w="1312434">
+                  <a:extLst>
+                    <a:ext uri="{9D8B030D-6E8A-4147-A177-3AD203B41FA5}">
+                      <a16:colId xmlns:a16="http://schemas.microsoft.com/office/drawing/2014/main" val="3817460674"/>
+                    </a:ext>
+                  </a:extLst>
+                </a:gridCol>
+                <a:gridCol w="1312434">
+                  <a:extLst>
+                    <a:ext uri="{9D8B030D-6E8A-4147-A177-3AD203B41FA5}">
+                      <a16:colId xmlns:a16="http://schemas.microsoft.com/office/drawing/2014/main" val="1192478826"/>
+                    </a:ext>
+                  </a:extLst>
+                </a:gridCol>
+              </a:tblGrid>
+              <a:tr h="370840">
+                <a:tc>
+                  <a:txBody>
+                    <a:bodyPr/>
+                    <a:lstStyle/>
+                    <a:p>
+                      <a:pPr algn="ctr"/>
+                      <a:r>
+                        <a:rPr lang="en-US" sz="1400" dirty="0"/>
+                        <a:t>TN = $ 0.00</a:t>
+                      </a:r>
+                      <a:endParaRPr lang="ru-RU" sz="1400" dirty="0"/>
+                    </a:p>
+                  </a:txBody>
+                  <a:tcPr anchor="ctr"/>
+                </a:tc>
+                <a:tc>
+                  <a:txBody>
+                    <a:bodyPr/>
+                    <a:lstStyle/>
+                    <a:p>
+                      <a:pPr algn="ctr"/>
+                      <a:r>
+                        <a:rPr lang="en-US" sz="1400" dirty="0"/>
+                        <a:t>FP = $ -0.50</a:t>
+                      </a:r>
+                      <a:endParaRPr lang="ru-RU" sz="1400" dirty="0"/>
+                    </a:p>
+                  </a:txBody>
+                  <a:tcPr anchor="ctr"/>
+                </a:tc>
+                <a:extLst>
+                  <a:ext uri="{0D108BD9-81ED-4DB2-BD59-A6C34878D82A}">
+                    <a16:rowId xmlns:a16="http://schemas.microsoft.com/office/drawing/2014/main" val="3331900006"/>
+                  </a:ext>
+                </a:extLst>
+              </a:tr>
+              <a:tr h="370840">
+                <a:tc>
+                  <a:txBody>
+                    <a:bodyPr/>
+                    <a:lstStyle/>
+                    <a:p>
+                      <a:pPr algn="ctr"/>
+                      <a:r>
+                        <a:rPr lang="en-US" sz="1400" dirty="0"/>
+                        <a:t>FN = $ -25.8</a:t>
+                      </a:r>
+                    </a:p>
+                    <a:p>
+                      <a:pPr algn="ctr"/>
+                      <a:r>
+                        <a:rPr lang="en-US" sz="1400" dirty="0"/>
+                        <a:t>(lost income)</a:t>
+                      </a:r>
+                      <a:endParaRPr lang="ru-RU" sz="1400" dirty="0"/>
+                    </a:p>
+                  </a:txBody>
+                  <a:tcPr anchor="ctr"/>
+                </a:tc>
+                <a:tc>
+                  <a:txBody>
+                    <a:bodyPr/>
+                    <a:lstStyle/>
+                    <a:p>
+                      <a:pPr algn="ctr"/>
+                      <a:r>
+                        <a:rPr lang="en-US" sz="1400" dirty="0"/>
+                        <a:t>TP = $ 25.8</a:t>
+                      </a:r>
+                    </a:p>
+                    <a:p>
+                      <a:pPr algn="ctr"/>
+                      <a:r>
+                        <a:rPr lang="en-US" sz="1400" dirty="0"/>
+                        <a:t>(26.3 - 0.5)</a:t>
+                      </a:r>
+                      <a:endParaRPr lang="ru-RU" sz="1400" dirty="0"/>
+                    </a:p>
+                  </a:txBody>
+                  <a:tcPr anchor="ctr"/>
+                </a:tc>
+                <a:extLst>
+                  <a:ext uri="{0D108BD9-81ED-4DB2-BD59-A6C34878D82A}">
+                    <a16:rowId xmlns:a16="http://schemas.microsoft.com/office/drawing/2014/main" val="3741219838"/>
+                  </a:ext>
+                </a:extLst>
+              </a:tr>
+            </a:tbl>
+          </a:graphicData>
+        </a:graphic>
+      </p:graphicFrame>
       <p:sp>
         <p:nvSpPr>
-          <p:cNvPr id="28" name="Прямоугольник 27">
+          <p:cNvPr id="12" name="TextBox 11">
             <a:extLst>
               <a:ext uri="{FF2B5EF4-FFF2-40B4-BE49-F238E27FC236}">
-                <a16:creationId xmlns:a16="http://schemas.microsoft.com/office/drawing/2014/main" id="{E31391EA-9BD2-9493-F047-5175A24D6EF7}"/>
+                <a16:creationId xmlns:a16="http://schemas.microsoft.com/office/drawing/2014/main" id="{AAF1B175-F148-4138-2618-0E8D4A9B8A4B}"/>
               </a:ext>
             </a:extLst>
           </p:cNvPr>
-          <p:cNvSpPr/>
+          <p:cNvSpPr txBox="1"/>
           <p:nvPr/>
         </p:nvSpPr>
         <p:spPr>
           <a:xfrm>
-            <a:off x="9204144" y="1315893"/>
-            <a:ext cx="2672861" cy="867732"/>
+            <a:off x="8989772" y="5251193"/>
+            <a:ext cx="2624868" cy="523220"/>
           </a:xfrm>
           <a:prstGeom prst="rect">
             <a:avLst/>
           </a:prstGeom>
           <a:noFill/>
-          <a:ln w="19050"/>
         </p:spPr>
-        <p:style>
-          <a:lnRef idx="2">
-            <a:schemeClr val="accent2"/>
-          </a:lnRef>
-          <a:fillRef idx="1">
-            <a:schemeClr val="lt1"/>
-          </a:fillRef>
-          <a:effectRef idx="0">
-            <a:schemeClr val="accent2"/>
-          </a:effectRef>
-          <a:fontRef idx="minor">
-            <a:schemeClr val="dk1"/>
-          </a:fontRef>
-        </p:style>
         <p:txBody>
-          <a:bodyPr rtlCol="0" anchor="ctr"/>
+          <a:bodyPr wrap="square" rtlCol="0">
+            <a:spAutoFit/>
+          </a:bodyPr>
           <a:lstStyle/>
           <a:p>
             <a:pPr algn="ctr"/>
-            <a:endParaRPr lang="ru-RU"/>
+            <a:r>
+              <a:rPr lang="en-US" sz="1400" dirty="0"/>
+              <a:t>Financial result of each outcome type (per 1 call)</a:t>
+            </a:r>
           </a:p>
         </p:txBody>
       </p:sp>
     </p:spTree>
     <p:extLst>
       <p:ext uri="{BB962C8B-B14F-4D97-AF65-F5344CB8AC3E}">
-        <p14:creationId xmlns:p14="http://schemas.microsoft.com/office/powerpoint/2010/main" val="2896265870"/>
+        <p14:creationId xmlns:p14="http://schemas.microsoft.com/office/powerpoint/2010/main" val="153892564"/>
       </p:ext>
     </p:extLst>
   </p:cSld>
